--- a/python/feature_target_correlations/Feature-target correlations.pptx
+++ b/python/feature_target_correlations/Feature-target correlations.pptx
@@ -8,9 +8,10 @@
     <p:sldId id="256" r:id="rId2"/>
     <p:sldId id="259" r:id="rId3"/>
     <p:sldId id="257" r:id="rId4"/>
-    <p:sldId id="258" r:id="rId5"/>
-    <p:sldId id="260" r:id="rId6"/>
-    <p:sldId id="261" r:id="rId7"/>
+    <p:sldId id="263" r:id="rId5"/>
+    <p:sldId id="258" r:id="rId6"/>
+    <p:sldId id="260" r:id="rId7"/>
+    <p:sldId id="261" r:id="rId8"/>
   </p:sldIdLst>
   <p:sldSz cx="12192000" cy="6858000"/>
   <p:notesSz cx="6858000" cy="9144000"/>
@@ -109,6 +110,11 @@
       </a:defRPr>
     </a:lvl9pPr>
   </p:defaultTextStyle>
+  <p:extLst>
+    <p:ext uri="{EFAFB233-063F-42B5-8137-9DF3F51BA10A}">
+      <p15:sldGuideLst xmlns:p15="http://schemas.microsoft.com/office/powerpoint/2012/main"/>
+    </p:ext>
+  </p:extLst>
 </p:presentation>
 </file>
 
@@ -5424,10 +5430,10 @@
       </p:pic>
       <p:pic>
         <p:nvPicPr>
-          <p:cNvPr id="46" name="Picture 45" descr="A graph of a negative linear graph&#10;&#10;Description automatically generated">
+          <p:cNvPr id="48" name="Picture 47" descr="A graph of a function&#10;&#10;Description automatically generated">
             <a:extLst>
               <a:ext uri="{FF2B5EF4-FFF2-40B4-BE49-F238E27FC236}">
-                <a16:creationId xmlns:a16="http://schemas.microsoft.com/office/drawing/2014/main" id="{579D026A-E583-94C7-8147-525832C7A9F3}"/>
+                <a16:creationId xmlns:a16="http://schemas.microsoft.com/office/drawing/2014/main" id="{2581101F-94EF-FFB4-4011-996C9078B726}"/>
               </a:ext>
             </a:extLst>
           </p:cNvPr>
@@ -5444,8 +5450,8 @@
         </p:blipFill>
         <p:spPr>
           <a:xfrm>
-            <a:off x="256008" y="3950206"/>
-            <a:ext cx="3697778" cy="2880000"/>
+            <a:off x="4221202" y="949277"/>
+            <a:ext cx="3600000" cy="2880000"/>
           </a:xfrm>
           <a:prstGeom prst="rect">
             <a:avLst/>
@@ -5454,10 +5460,10 @@
       </p:pic>
       <p:pic>
         <p:nvPicPr>
-          <p:cNvPr id="48" name="Picture 47" descr="A graph of a function&#10;&#10;Description automatically generated">
+          <p:cNvPr id="4" name="Content Placeholder 8" descr="A cat lying on a roof&#10;&#10;Description automatically generated">
             <a:extLst>
               <a:ext uri="{FF2B5EF4-FFF2-40B4-BE49-F238E27FC236}">
-                <a16:creationId xmlns:a16="http://schemas.microsoft.com/office/drawing/2014/main" id="{2581101F-94EF-FFB4-4011-996C9078B726}"/>
+                <a16:creationId xmlns:a16="http://schemas.microsoft.com/office/drawing/2014/main" id="{79ECF3D6-E777-CDD3-06BA-72B980D99506}"/>
               </a:ext>
             </a:extLst>
           </p:cNvPr>
@@ -5466,308 +5472,21 @@
           </p:cNvPicPr>
           <p:nvPr/>
         </p:nvPicPr>
-        <p:blipFill>
+        <p:blipFill rotWithShape="1">
           <a:blip r:embed="rId5"/>
-          <a:stretch>
-            <a:fillRect/>
-          </a:stretch>
+          <a:srcRect l="1" t="-1" r="174" b="26045"/>
+          <a:stretch/>
         </p:blipFill>
         <p:spPr>
           <a:xfrm>
-            <a:off x="4221202" y="949277"/>
-            <a:ext cx="3600000" cy="2880000"/>
+            <a:off x="345255" y="3829277"/>
+            <a:ext cx="3644461" cy="2880000"/>
           </a:xfrm>
           <a:prstGeom prst="rect">
             <a:avLst/>
           </a:prstGeom>
         </p:spPr>
       </p:pic>
-      <p:graphicFrame>
-        <p:nvGraphicFramePr>
-          <p:cNvPr id="49" name="Table 48">
-            <a:extLst>
-              <a:ext uri="{FF2B5EF4-FFF2-40B4-BE49-F238E27FC236}">
-                <a16:creationId xmlns:a16="http://schemas.microsoft.com/office/drawing/2014/main" id="{9C584747-B84D-1A8D-1C54-D1F25A672A46}"/>
-              </a:ext>
-            </a:extLst>
-          </p:cNvPr>
-          <p:cNvGraphicFramePr>
-            <a:graphicFrameLocks noGrp="1"/>
-          </p:cNvGraphicFramePr>
-          <p:nvPr>
-            <p:extLst>
-              <p:ext uri="{D42A27DB-BD31-4B8C-83A1-F6EECF244321}">
-                <p14:modId xmlns:p14="http://schemas.microsoft.com/office/powerpoint/2010/main" val="3468552792"/>
-              </p:ext>
-            </p:extLst>
-          </p:nvPr>
-        </p:nvGraphicFramePr>
-        <p:xfrm>
-          <a:off x="8238216" y="3023106"/>
-          <a:ext cx="3347050" cy="1854200"/>
-        </p:xfrm>
-        <a:graphic>
-          <a:graphicData uri="http://schemas.openxmlformats.org/drawingml/2006/table">
-            <a:tbl>
-              <a:tblPr firstRow="1" firstCol="1" bandRow="1">
-                <a:tableStyleId>{5C22544A-7EE6-4342-B048-85BDC9FD1C3A}</a:tableStyleId>
-              </a:tblPr>
-              <a:tblGrid>
-                <a:gridCol w="1250832">
-                  <a:extLst>
-                    <a:ext uri="{9D8B030D-6E8A-4147-A177-3AD203B41FA5}">
-                      <a16:colId xmlns:a16="http://schemas.microsoft.com/office/drawing/2014/main" val="2804486857"/>
-                    </a:ext>
-                  </a:extLst>
-                </a:gridCol>
-                <a:gridCol w="992037">
-                  <a:extLst>
-                    <a:ext uri="{9D8B030D-6E8A-4147-A177-3AD203B41FA5}">
-                      <a16:colId xmlns:a16="http://schemas.microsoft.com/office/drawing/2014/main" val="456066541"/>
-                    </a:ext>
-                  </a:extLst>
-                </a:gridCol>
-                <a:gridCol w="1104181">
-                  <a:extLst>
-                    <a:ext uri="{9D8B030D-6E8A-4147-A177-3AD203B41FA5}">
-                      <a16:colId xmlns:a16="http://schemas.microsoft.com/office/drawing/2014/main" val="1987072219"/>
-                    </a:ext>
-                  </a:extLst>
-                </a:gridCol>
-              </a:tblGrid>
-              <a:tr h="370840">
-                <a:tc>
-                  <a:txBody>
-                    <a:bodyPr/>
-                    <a:lstStyle/>
-                    <a:p>
-                      <a:endParaRPr lang="en-US" sz="1700" dirty="0"/>
-                    </a:p>
-                  </a:txBody>
-                  <a:tcPr/>
-                </a:tc>
-                <a:tc>
-                  <a:txBody>
-                    <a:bodyPr/>
-                    <a:lstStyle/>
-                    <a:p>
-                      <a:pPr algn="ctr"/>
-                      <a:r>
-                        <a:rPr lang="en-US" sz="1700" dirty="0"/>
-                        <a:t>Pearson</a:t>
-                      </a:r>
-                    </a:p>
-                  </a:txBody>
-                  <a:tcPr/>
-                </a:tc>
-                <a:tc>
-                  <a:txBody>
-                    <a:bodyPr/>
-                    <a:lstStyle/>
-                    <a:p>
-                      <a:pPr algn="ctr"/>
-                      <a:r>
-                        <a:rPr lang="en-US" sz="1700" dirty="0"/>
-                        <a:t>Spearman</a:t>
-                      </a:r>
-                    </a:p>
-                  </a:txBody>
-                  <a:tcPr/>
-                </a:tc>
-                <a:extLst>
-                  <a:ext uri="{0D108BD9-81ED-4DB2-BD59-A6C34878D82A}">
-                    <a16:rowId xmlns:a16="http://schemas.microsoft.com/office/drawing/2014/main" val="1640562763"/>
-                  </a:ext>
-                </a:extLst>
-              </a:tr>
-              <a:tr h="370840">
-                <a:tc>
-                  <a:txBody>
-                    <a:bodyPr/>
-                    <a:lstStyle/>
-                    <a:p>
-                      <a:r>
-                        <a:rPr lang="en-US" sz="1700" dirty="0"/>
-                        <a:t>linear</a:t>
-                      </a:r>
-                    </a:p>
-                  </a:txBody>
-                  <a:tcPr/>
-                </a:tc>
-                <a:tc>
-                  <a:txBody>
-                    <a:bodyPr/>
-                    <a:lstStyle/>
-                    <a:p>
-                      <a:r>
-                        <a:rPr lang="en-US" sz="1700" dirty="0"/>
-                        <a:t>1.0</a:t>
-                      </a:r>
-                    </a:p>
-                  </a:txBody>
-                  <a:tcPr/>
-                </a:tc>
-                <a:tc>
-                  <a:txBody>
-                    <a:bodyPr/>
-                    <a:lstStyle/>
-                    <a:p>
-                      <a:r>
-                        <a:rPr lang="en-US" sz="1700" dirty="0"/>
-                        <a:t>1.0</a:t>
-                      </a:r>
-                    </a:p>
-                  </a:txBody>
-                  <a:tcPr/>
-                </a:tc>
-                <a:extLst>
-                  <a:ext uri="{0D108BD9-81ED-4DB2-BD59-A6C34878D82A}">
-                    <a16:rowId xmlns:a16="http://schemas.microsoft.com/office/drawing/2014/main" val="1889541531"/>
-                  </a:ext>
-                </a:extLst>
-              </a:tr>
-              <a:tr h="370840">
-                <a:tc>
-                  <a:txBody>
-                    <a:bodyPr/>
-                    <a:lstStyle/>
-                    <a:p>
-                      <a:r>
-                        <a:rPr lang="en-US" sz="1700" dirty="0"/>
-                        <a:t>nonlinear</a:t>
-                      </a:r>
-                    </a:p>
-                  </a:txBody>
-                  <a:tcPr/>
-                </a:tc>
-                <a:tc>
-                  <a:txBody>
-                    <a:bodyPr/>
-                    <a:lstStyle/>
-                    <a:p>
-                      <a:r>
-                        <a:rPr lang="en-US" sz="1700" dirty="0"/>
-                        <a:t>0.0</a:t>
-                      </a:r>
-                    </a:p>
-                  </a:txBody>
-                  <a:tcPr/>
-                </a:tc>
-                <a:tc>
-                  <a:txBody>
-                    <a:bodyPr/>
-                    <a:lstStyle/>
-                    <a:p>
-                      <a:r>
-                        <a:rPr lang="en-US" sz="1700" dirty="0"/>
-                        <a:t>0.0</a:t>
-                      </a:r>
-                    </a:p>
-                  </a:txBody>
-                  <a:tcPr/>
-                </a:tc>
-                <a:extLst>
-                  <a:ext uri="{0D108BD9-81ED-4DB2-BD59-A6C34878D82A}">
-                    <a16:rowId xmlns:a16="http://schemas.microsoft.com/office/drawing/2014/main" val="3945410233"/>
-                  </a:ext>
-                </a:extLst>
-              </a:tr>
-              <a:tr h="370840">
-                <a:tc>
-                  <a:txBody>
-                    <a:bodyPr/>
-                    <a:lstStyle/>
-                    <a:p>
-                      <a:r>
-                        <a:rPr lang="en-US" sz="1700" dirty="0"/>
-                        <a:t>neg. linear</a:t>
-                      </a:r>
-                    </a:p>
-                  </a:txBody>
-                  <a:tcPr/>
-                </a:tc>
-                <a:tc>
-                  <a:txBody>
-                    <a:bodyPr/>
-                    <a:lstStyle/>
-                    <a:p>
-                      <a:r>
-                        <a:rPr lang="en-US" sz="1700" dirty="0"/>
-                        <a:t>-1.0</a:t>
-                      </a:r>
-                    </a:p>
-                  </a:txBody>
-                  <a:tcPr/>
-                </a:tc>
-                <a:tc>
-                  <a:txBody>
-                    <a:bodyPr/>
-                    <a:lstStyle/>
-                    <a:p>
-                      <a:r>
-                        <a:rPr lang="en-US" sz="1700" dirty="0"/>
-                        <a:t>-1.0</a:t>
-                      </a:r>
-                    </a:p>
-                  </a:txBody>
-                  <a:tcPr/>
-                </a:tc>
-                <a:extLst>
-                  <a:ext uri="{0D108BD9-81ED-4DB2-BD59-A6C34878D82A}">
-                    <a16:rowId xmlns:a16="http://schemas.microsoft.com/office/drawing/2014/main" val="1586565012"/>
-                  </a:ext>
-                </a:extLst>
-              </a:tr>
-              <a:tr h="370840">
-                <a:tc>
-                  <a:txBody>
-                    <a:bodyPr/>
-                    <a:lstStyle/>
-                    <a:p>
-                      <a:r>
-                        <a:rPr lang="en-US" sz="1700" dirty="0"/>
-                        <a:t>monotonic</a:t>
-                      </a:r>
-                    </a:p>
-                  </a:txBody>
-                  <a:tcPr/>
-                </a:tc>
-                <a:tc>
-                  <a:txBody>
-                    <a:bodyPr/>
-                    <a:lstStyle/>
-                    <a:p>
-                      <a:r>
-                        <a:rPr lang="en-US" sz="1700" dirty="0"/>
-                        <a:t>0.92</a:t>
-                      </a:r>
-                    </a:p>
-                  </a:txBody>
-                  <a:tcPr/>
-                </a:tc>
-                <a:tc>
-                  <a:txBody>
-                    <a:bodyPr/>
-                    <a:lstStyle/>
-                    <a:p>
-                      <a:r>
-                        <a:rPr lang="en-US" sz="1700" dirty="0"/>
-                        <a:t>1.0</a:t>
-                      </a:r>
-                    </a:p>
-                  </a:txBody>
-                  <a:tcPr/>
-                </a:tc>
-                <a:extLst>
-                  <a:ext uri="{0D108BD9-81ED-4DB2-BD59-A6C34878D82A}">
-                    <a16:rowId xmlns:a16="http://schemas.microsoft.com/office/drawing/2014/main" val="4184929682"/>
-                  </a:ext>
-                </a:extLst>
-              </a:tr>
-            </a:tbl>
-          </a:graphicData>
-        </a:graphic>
-      </p:graphicFrame>
     </p:spTree>
     <p:extLst>
       <p:ext uri="{BB962C8B-B14F-4D97-AF65-F5344CB8AC3E}">
@@ -5902,52 +5621,7 @@
                                           </p:stCondLst>
                                         </p:cTn>
                                         <p:tgtEl>
-                                          <p:spTgt spid="46"/>
-                                        </p:tgtEl>
-                                        <p:attrNameLst>
-                                          <p:attrName>style.visibility</p:attrName>
-                                        </p:attrNameLst>
-                                      </p:cBhvr>
-                                      <p:to>
-                                        <p:strVal val="visible"/>
-                                      </p:to>
-                                    </p:set>
-                                  </p:childTnLst>
-                                </p:cTn>
-                              </p:par>
-                            </p:childTnLst>
-                          </p:cTn>
-                        </p:par>
-                      </p:childTnLst>
-                    </p:cTn>
-                  </p:par>
-                  <p:par>
-                    <p:cTn id="15" fill="hold">
-                      <p:stCondLst>
-                        <p:cond delay="indefinite"/>
-                      </p:stCondLst>
-                      <p:childTnLst>
-                        <p:par>
-                          <p:cTn id="16" fill="hold">
-                            <p:stCondLst>
-                              <p:cond delay="0"/>
-                            </p:stCondLst>
-                            <p:childTnLst>
-                              <p:par>
-                                <p:cTn id="17" presetID="1" presetClass="entr" presetSubtype="0" fill="hold" nodeType="clickEffect">
-                                  <p:stCondLst>
-                                    <p:cond delay="0"/>
-                                  </p:stCondLst>
-                                  <p:childTnLst>
-                                    <p:set>
-                                      <p:cBhvr>
-                                        <p:cTn id="18" dur="1" fill="hold">
-                                          <p:stCondLst>
-                                            <p:cond delay="0"/>
-                                          </p:stCondLst>
-                                        </p:cTn>
-                                        <p:tgtEl>
-                                          <p:spTgt spid="49"/>
+                                          <p:spTgt spid="4"/>
                                         </p:tgtEl>
                                         <p:attrNameLst>
                                           <p:attrName>style.visibility</p:attrName>
@@ -6036,6 +5710,546 @@
           </a:bodyPr>
           <a:lstStyle/>
           <a:p>
+            <a:r>
+              <a:rPr lang="en-US" sz="3600" dirty="0"/>
+              <a:t>Types of correlation</a:t>
+            </a:r>
+          </a:p>
+        </p:txBody>
+      </p:sp>
+      <p:pic>
+        <p:nvPicPr>
+          <p:cNvPr id="42" name="Picture 41" descr="A graph with a dotted line&#10;&#10;Description automatically generated">
+            <a:extLst>
+              <a:ext uri="{FF2B5EF4-FFF2-40B4-BE49-F238E27FC236}">
+                <a16:creationId xmlns:a16="http://schemas.microsoft.com/office/drawing/2014/main" id="{8544F339-9256-B1F7-E736-7053C414EAFB}"/>
+              </a:ext>
+            </a:extLst>
+          </p:cNvPr>
+          <p:cNvPicPr>
+            <a:picLocks noChangeAspect="1"/>
+          </p:cNvPicPr>
+          <p:nvPr/>
+        </p:nvPicPr>
+        <p:blipFill>
+          <a:blip r:embed="rId2"/>
+          <a:stretch>
+            <a:fillRect/>
+          </a:stretch>
+        </p:blipFill>
+        <p:spPr>
+          <a:xfrm>
+            <a:off x="256008" y="949277"/>
+            <a:ext cx="3697778" cy="2880000"/>
+          </a:xfrm>
+          <a:prstGeom prst="rect">
+            <a:avLst/>
+          </a:prstGeom>
+        </p:spPr>
+      </p:pic>
+      <p:pic>
+        <p:nvPicPr>
+          <p:cNvPr id="44" name="Picture 43" descr="A graph of a function&#10;&#10;Description automatically generated">
+            <a:extLst>
+              <a:ext uri="{FF2B5EF4-FFF2-40B4-BE49-F238E27FC236}">
+                <a16:creationId xmlns:a16="http://schemas.microsoft.com/office/drawing/2014/main" id="{46D0464D-312F-39D1-88C2-0D36ECD9A3D1}"/>
+              </a:ext>
+            </a:extLst>
+          </p:cNvPr>
+          <p:cNvPicPr>
+            <a:picLocks noChangeAspect="1"/>
+          </p:cNvPicPr>
+          <p:nvPr/>
+        </p:nvPicPr>
+        <p:blipFill>
+          <a:blip r:embed="rId3"/>
+          <a:stretch>
+            <a:fillRect/>
+          </a:stretch>
+        </p:blipFill>
+        <p:spPr>
+          <a:xfrm>
+            <a:off x="4123424" y="3952122"/>
+            <a:ext cx="3697778" cy="2880000"/>
+          </a:xfrm>
+          <a:prstGeom prst="rect">
+            <a:avLst/>
+          </a:prstGeom>
+        </p:spPr>
+      </p:pic>
+      <p:pic>
+        <p:nvPicPr>
+          <p:cNvPr id="46" name="Picture 45" descr="A graph of a negative linear graph&#10;&#10;Description automatically generated">
+            <a:extLst>
+              <a:ext uri="{FF2B5EF4-FFF2-40B4-BE49-F238E27FC236}">
+                <a16:creationId xmlns:a16="http://schemas.microsoft.com/office/drawing/2014/main" id="{579D026A-E583-94C7-8147-525832C7A9F3}"/>
+              </a:ext>
+            </a:extLst>
+          </p:cNvPr>
+          <p:cNvPicPr>
+            <a:picLocks noChangeAspect="1"/>
+          </p:cNvPicPr>
+          <p:nvPr/>
+        </p:nvPicPr>
+        <p:blipFill>
+          <a:blip r:embed="rId4"/>
+          <a:stretch>
+            <a:fillRect/>
+          </a:stretch>
+        </p:blipFill>
+        <p:spPr>
+          <a:xfrm>
+            <a:off x="256008" y="3950206"/>
+            <a:ext cx="3697778" cy="2880000"/>
+          </a:xfrm>
+          <a:prstGeom prst="rect">
+            <a:avLst/>
+          </a:prstGeom>
+        </p:spPr>
+      </p:pic>
+      <p:pic>
+        <p:nvPicPr>
+          <p:cNvPr id="48" name="Picture 47" descr="A graph of a function&#10;&#10;Description automatically generated">
+            <a:extLst>
+              <a:ext uri="{FF2B5EF4-FFF2-40B4-BE49-F238E27FC236}">
+                <a16:creationId xmlns:a16="http://schemas.microsoft.com/office/drawing/2014/main" id="{2581101F-94EF-FFB4-4011-996C9078B726}"/>
+              </a:ext>
+            </a:extLst>
+          </p:cNvPr>
+          <p:cNvPicPr>
+            <a:picLocks noChangeAspect="1"/>
+          </p:cNvPicPr>
+          <p:nvPr/>
+        </p:nvPicPr>
+        <p:blipFill>
+          <a:blip r:embed="rId5"/>
+          <a:stretch>
+            <a:fillRect/>
+          </a:stretch>
+        </p:blipFill>
+        <p:spPr>
+          <a:xfrm>
+            <a:off x="4221202" y="949277"/>
+            <a:ext cx="3600000" cy="2880000"/>
+          </a:xfrm>
+          <a:prstGeom prst="rect">
+            <a:avLst/>
+          </a:prstGeom>
+        </p:spPr>
+      </p:pic>
+      <p:graphicFrame>
+        <p:nvGraphicFramePr>
+          <p:cNvPr id="49" name="Table 48">
+            <a:extLst>
+              <a:ext uri="{FF2B5EF4-FFF2-40B4-BE49-F238E27FC236}">
+                <a16:creationId xmlns:a16="http://schemas.microsoft.com/office/drawing/2014/main" id="{9C584747-B84D-1A8D-1C54-D1F25A672A46}"/>
+              </a:ext>
+            </a:extLst>
+          </p:cNvPr>
+          <p:cNvGraphicFramePr>
+            <a:graphicFrameLocks noGrp="1"/>
+          </p:cNvGraphicFramePr>
+          <p:nvPr/>
+        </p:nvGraphicFramePr>
+        <p:xfrm>
+          <a:off x="8238216" y="3023106"/>
+          <a:ext cx="3347050" cy="1854200"/>
+        </p:xfrm>
+        <a:graphic>
+          <a:graphicData uri="http://schemas.openxmlformats.org/drawingml/2006/table">
+            <a:tbl>
+              <a:tblPr firstRow="1" firstCol="1" bandRow="1">
+                <a:tableStyleId>{5C22544A-7EE6-4342-B048-85BDC9FD1C3A}</a:tableStyleId>
+              </a:tblPr>
+              <a:tblGrid>
+                <a:gridCol w="1250832">
+                  <a:extLst>
+                    <a:ext uri="{9D8B030D-6E8A-4147-A177-3AD203B41FA5}">
+                      <a16:colId xmlns:a16="http://schemas.microsoft.com/office/drawing/2014/main" val="2804486857"/>
+                    </a:ext>
+                  </a:extLst>
+                </a:gridCol>
+                <a:gridCol w="992037">
+                  <a:extLst>
+                    <a:ext uri="{9D8B030D-6E8A-4147-A177-3AD203B41FA5}">
+                      <a16:colId xmlns:a16="http://schemas.microsoft.com/office/drawing/2014/main" val="456066541"/>
+                    </a:ext>
+                  </a:extLst>
+                </a:gridCol>
+                <a:gridCol w="1104181">
+                  <a:extLst>
+                    <a:ext uri="{9D8B030D-6E8A-4147-A177-3AD203B41FA5}">
+                      <a16:colId xmlns:a16="http://schemas.microsoft.com/office/drawing/2014/main" val="1987072219"/>
+                    </a:ext>
+                  </a:extLst>
+                </a:gridCol>
+              </a:tblGrid>
+              <a:tr h="370840">
+                <a:tc>
+                  <a:txBody>
+                    <a:bodyPr/>
+                    <a:lstStyle/>
+                    <a:p>
+                      <a:endParaRPr lang="en-US" sz="1700" dirty="0"/>
+                    </a:p>
+                  </a:txBody>
+                  <a:tcPr/>
+                </a:tc>
+                <a:tc>
+                  <a:txBody>
+                    <a:bodyPr/>
+                    <a:lstStyle/>
+                    <a:p>
+                      <a:pPr algn="ctr"/>
+                      <a:r>
+                        <a:rPr lang="en-US" sz="1700" dirty="0"/>
+                        <a:t>Pearson</a:t>
+                      </a:r>
+                    </a:p>
+                  </a:txBody>
+                  <a:tcPr/>
+                </a:tc>
+                <a:tc>
+                  <a:txBody>
+                    <a:bodyPr/>
+                    <a:lstStyle/>
+                    <a:p>
+                      <a:pPr algn="ctr"/>
+                      <a:r>
+                        <a:rPr lang="en-US" sz="1700" dirty="0"/>
+                        <a:t>Spearman</a:t>
+                      </a:r>
+                    </a:p>
+                  </a:txBody>
+                  <a:tcPr/>
+                </a:tc>
+                <a:extLst>
+                  <a:ext uri="{0D108BD9-81ED-4DB2-BD59-A6C34878D82A}">
+                    <a16:rowId xmlns:a16="http://schemas.microsoft.com/office/drawing/2014/main" val="1640562763"/>
+                  </a:ext>
+                </a:extLst>
+              </a:tr>
+              <a:tr h="370840">
+                <a:tc>
+                  <a:txBody>
+                    <a:bodyPr/>
+                    <a:lstStyle/>
+                    <a:p>
+                      <a:r>
+                        <a:rPr lang="en-US" sz="1700" dirty="0"/>
+                        <a:t>linear</a:t>
+                      </a:r>
+                    </a:p>
+                  </a:txBody>
+                  <a:tcPr/>
+                </a:tc>
+                <a:tc>
+                  <a:txBody>
+                    <a:bodyPr/>
+                    <a:lstStyle/>
+                    <a:p>
+                      <a:r>
+                        <a:rPr lang="en-US" sz="1700" dirty="0"/>
+                        <a:t>1.0</a:t>
+                      </a:r>
+                    </a:p>
+                  </a:txBody>
+                  <a:tcPr/>
+                </a:tc>
+                <a:tc>
+                  <a:txBody>
+                    <a:bodyPr/>
+                    <a:lstStyle/>
+                    <a:p>
+                      <a:r>
+                        <a:rPr lang="en-US" sz="1700" dirty="0"/>
+                        <a:t>1.0</a:t>
+                      </a:r>
+                    </a:p>
+                  </a:txBody>
+                  <a:tcPr/>
+                </a:tc>
+                <a:extLst>
+                  <a:ext uri="{0D108BD9-81ED-4DB2-BD59-A6C34878D82A}">
+                    <a16:rowId xmlns:a16="http://schemas.microsoft.com/office/drawing/2014/main" val="1889541531"/>
+                  </a:ext>
+                </a:extLst>
+              </a:tr>
+              <a:tr h="370840">
+                <a:tc>
+                  <a:txBody>
+                    <a:bodyPr/>
+                    <a:lstStyle/>
+                    <a:p>
+                      <a:r>
+                        <a:rPr lang="en-US" sz="1700" dirty="0"/>
+                        <a:t>nonlinear</a:t>
+                      </a:r>
+                    </a:p>
+                  </a:txBody>
+                  <a:tcPr/>
+                </a:tc>
+                <a:tc>
+                  <a:txBody>
+                    <a:bodyPr/>
+                    <a:lstStyle/>
+                    <a:p>
+                      <a:r>
+                        <a:rPr lang="en-US" sz="1700" dirty="0"/>
+                        <a:t>0.0</a:t>
+                      </a:r>
+                    </a:p>
+                  </a:txBody>
+                  <a:tcPr/>
+                </a:tc>
+                <a:tc>
+                  <a:txBody>
+                    <a:bodyPr/>
+                    <a:lstStyle/>
+                    <a:p>
+                      <a:r>
+                        <a:rPr lang="en-US" sz="1700" dirty="0"/>
+                        <a:t>0.0</a:t>
+                      </a:r>
+                    </a:p>
+                  </a:txBody>
+                  <a:tcPr/>
+                </a:tc>
+                <a:extLst>
+                  <a:ext uri="{0D108BD9-81ED-4DB2-BD59-A6C34878D82A}">
+                    <a16:rowId xmlns:a16="http://schemas.microsoft.com/office/drawing/2014/main" val="3945410233"/>
+                  </a:ext>
+                </a:extLst>
+              </a:tr>
+              <a:tr h="370840">
+                <a:tc>
+                  <a:txBody>
+                    <a:bodyPr/>
+                    <a:lstStyle/>
+                    <a:p>
+                      <a:r>
+                        <a:rPr lang="en-US" sz="1700" dirty="0"/>
+                        <a:t>neg. linear</a:t>
+                      </a:r>
+                    </a:p>
+                  </a:txBody>
+                  <a:tcPr/>
+                </a:tc>
+                <a:tc>
+                  <a:txBody>
+                    <a:bodyPr/>
+                    <a:lstStyle/>
+                    <a:p>
+                      <a:r>
+                        <a:rPr lang="en-US" sz="1700" dirty="0"/>
+                        <a:t>-1.0</a:t>
+                      </a:r>
+                    </a:p>
+                  </a:txBody>
+                  <a:tcPr/>
+                </a:tc>
+                <a:tc>
+                  <a:txBody>
+                    <a:bodyPr/>
+                    <a:lstStyle/>
+                    <a:p>
+                      <a:r>
+                        <a:rPr lang="en-US" sz="1700" dirty="0"/>
+                        <a:t>-1.0</a:t>
+                      </a:r>
+                    </a:p>
+                  </a:txBody>
+                  <a:tcPr/>
+                </a:tc>
+                <a:extLst>
+                  <a:ext uri="{0D108BD9-81ED-4DB2-BD59-A6C34878D82A}">
+                    <a16:rowId xmlns:a16="http://schemas.microsoft.com/office/drawing/2014/main" val="1586565012"/>
+                  </a:ext>
+                </a:extLst>
+              </a:tr>
+              <a:tr h="370840">
+                <a:tc>
+                  <a:txBody>
+                    <a:bodyPr/>
+                    <a:lstStyle/>
+                    <a:p>
+                      <a:r>
+                        <a:rPr lang="en-US" sz="1700" dirty="0"/>
+                        <a:t>monotonic</a:t>
+                      </a:r>
+                    </a:p>
+                  </a:txBody>
+                  <a:tcPr/>
+                </a:tc>
+                <a:tc>
+                  <a:txBody>
+                    <a:bodyPr/>
+                    <a:lstStyle/>
+                    <a:p>
+                      <a:r>
+                        <a:rPr lang="en-US" sz="1700" dirty="0"/>
+                        <a:t>0.92</a:t>
+                      </a:r>
+                    </a:p>
+                  </a:txBody>
+                  <a:tcPr/>
+                </a:tc>
+                <a:tc>
+                  <a:txBody>
+                    <a:bodyPr/>
+                    <a:lstStyle/>
+                    <a:p>
+                      <a:r>
+                        <a:rPr lang="en-US" sz="1700" dirty="0"/>
+                        <a:t>1.0</a:t>
+                      </a:r>
+                    </a:p>
+                  </a:txBody>
+                  <a:tcPr/>
+                </a:tc>
+                <a:extLst>
+                  <a:ext uri="{0D108BD9-81ED-4DB2-BD59-A6C34878D82A}">
+                    <a16:rowId xmlns:a16="http://schemas.microsoft.com/office/drawing/2014/main" val="4184929682"/>
+                  </a:ext>
+                </a:extLst>
+              </a:tr>
+            </a:tbl>
+          </a:graphicData>
+        </a:graphic>
+      </p:graphicFrame>
+    </p:spTree>
+    <p:extLst>
+      <p:ext uri="{BB962C8B-B14F-4D97-AF65-F5344CB8AC3E}">
+        <p14:creationId xmlns:p14="http://schemas.microsoft.com/office/powerpoint/2010/main" val="4125619812"/>
+      </p:ext>
+    </p:extLst>
+  </p:cSld>
+  <p:clrMapOvr>
+    <a:masterClrMapping/>
+  </p:clrMapOvr>
+  <p:timing>
+    <p:tnLst>
+      <p:par>
+        <p:cTn id="1" dur="indefinite" restart="never" nodeType="tmRoot">
+          <p:childTnLst>
+            <p:seq concurrent="1" nextAc="seek">
+              <p:cTn id="2" dur="indefinite" nodeType="mainSeq">
+                <p:childTnLst>
+                  <p:par>
+                    <p:cTn id="3" fill="hold">
+                      <p:stCondLst>
+                        <p:cond delay="indefinite"/>
+                      </p:stCondLst>
+                      <p:childTnLst>
+                        <p:par>
+                          <p:cTn id="4" fill="hold">
+                            <p:stCondLst>
+                              <p:cond delay="0"/>
+                            </p:stCondLst>
+                            <p:childTnLst>
+                              <p:par>
+                                <p:cTn id="5" presetID="1" presetClass="entr" presetSubtype="0" fill="hold" nodeType="clickEffect">
+                                  <p:stCondLst>
+                                    <p:cond delay="0"/>
+                                  </p:stCondLst>
+                                  <p:childTnLst>
+                                    <p:set>
+                                      <p:cBhvr>
+                                        <p:cTn id="6" dur="1" fill="hold">
+                                          <p:stCondLst>
+                                            <p:cond delay="0"/>
+                                          </p:stCondLst>
+                                        </p:cTn>
+                                        <p:tgtEl>
+                                          <p:spTgt spid="49"/>
+                                        </p:tgtEl>
+                                        <p:attrNameLst>
+                                          <p:attrName>style.visibility</p:attrName>
+                                        </p:attrNameLst>
+                                      </p:cBhvr>
+                                      <p:to>
+                                        <p:strVal val="visible"/>
+                                      </p:to>
+                                    </p:set>
+                                  </p:childTnLst>
+                                </p:cTn>
+                              </p:par>
+                            </p:childTnLst>
+                          </p:cTn>
+                        </p:par>
+                      </p:childTnLst>
+                    </p:cTn>
+                  </p:par>
+                </p:childTnLst>
+              </p:cTn>
+              <p:prevCondLst>
+                <p:cond evt="onPrev" delay="0">
+                  <p:tgtEl>
+                    <p:sldTgt/>
+                  </p:tgtEl>
+                </p:cond>
+              </p:prevCondLst>
+              <p:nextCondLst>
+                <p:cond evt="onNext" delay="0">
+                  <p:tgtEl>
+                    <p:sldTgt/>
+                  </p:tgtEl>
+                </p:cond>
+              </p:nextCondLst>
+            </p:seq>
+          </p:childTnLst>
+        </p:cTn>
+      </p:par>
+    </p:tnLst>
+  </p:timing>
+</p:sld>
+</file>
+
+<file path=ppt/slides/slide5.xml><?xml version="1.0" encoding="utf-8"?>
+<p:sld xmlns:a="http://schemas.openxmlformats.org/drawingml/2006/main" xmlns:r="http://schemas.openxmlformats.org/officeDocument/2006/relationships" xmlns:p="http://schemas.openxmlformats.org/presentationml/2006/main">
+  <p:cSld>
+    <p:spTree>
+      <p:nvGrpSpPr>
+        <p:cNvPr id="1" name=""/>
+        <p:cNvGrpSpPr/>
+        <p:nvPr/>
+      </p:nvGrpSpPr>
+      <p:grpSpPr>
+        <a:xfrm>
+          <a:off x="0" y="0"/>
+          <a:ext cx="0" cy="0"/>
+          <a:chOff x="0" y="0"/>
+          <a:chExt cx="0" cy="0"/>
+        </a:xfrm>
+      </p:grpSpPr>
+      <p:sp>
+        <p:nvSpPr>
+          <p:cNvPr id="2" name="Title 1">
+            <a:extLst>
+              <a:ext uri="{FF2B5EF4-FFF2-40B4-BE49-F238E27FC236}">
+                <a16:creationId xmlns:a16="http://schemas.microsoft.com/office/drawing/2014/main" id="{30523F3D-837A-FCCD-CB83-8011B89E4DE4}"/>
+              </a:ext>
+            </a:extLst>
+          </p:cNvPr>
+          <p:cNvSpPr>
+            <a:spLocks noGrp="1"/>
+          </p:cNvSpPr>
+          <p:nvPr>
+            <p:ph type="title"/>
+          </p:nvPr>
+        </p:nvSpPr>
+        <p:spPr>
+          <a:xfrm>
+            <a:off x="838200" y="-5809"/>
+            <a:ext cx="10515600" cy="1325563"/>
+          </a:xfrm>
+        </p:spPr>
+        <p:txBody>
+          <a:bodyPr>
+            <a:normAutofit/>
+          </a:bodyPr>
+          <a:lstStyle/>
+          <a:p>
             <a:pPr algn="ctr"/>
             <a:r>
               <a:rPr lang="en-US" sz="3600" dirty="0"/>
@@ -6059,7 +6273,7 @@
           <p:nvPr>
             <p:extLst>
               <p:ext uri="{D42A27DB-BD31-4B8C-83A1-F6EECF244321}">
-                <p14:modId xmlns:p14="http://schemas.microsoft.com/office/powerpoint/2010/main" val="3800095729"/>
+                <p14:modId xmlns:p14="http://schemas.microsoft.com/office/powerpoint/2010/main" val="3604733059"/>
               </p:ext>
             </p:extLst>
           </p:nvPr>
@@ -6662,7 +6876,7 @@
                     <a:p>
                       <a:r>
                         <a:rPr lang="en-US" sz="1600" dirty="0"/>
-                        <a:t>Good allrounder</a:t>
+                        <a:t>Good allrounder. Model-dependent</a:t>
                       </a:r>
                     </a:p>
                   </a:txBody>
@@ -6826,7 +7040,7 @@
 </p:sld>
 </file>
 
-<file path=ppt/slides/slide5.xml><?xml version="1.0" encoding="utf-8"?>
+<file path=ppt/slides/slide6.xml><?xml version="1.0" encoding="utf-8"?>
 <p:sld xmlns:a="http://schemas.openxmlformats.org/drawingml/2006/main" xmlns:r="http://schemas.openxmlformats.org/officeDocument/2006/relationships" xmlns:p="http://schemas.openxmlformats.org/presentationml/2006/main">
   <p:cSld>
     <p:spTree>
@@ -9013,7 +9227,7 @@
 </p:sld>
 </file>
 
-<file path=ppt/slides/slide6.xml><?xml version="1.0" encoding="utf-8"?>
+<file path=ppt/slides/slide7.xml><?xml version="1.0" encoding="utf-8"?>
 <p:sld xmlns:a="http://schemas.openxmlformats.org/drawingml/2006/main" xmlns:r="http://schemas.openxmlformats.org/officeDocument/2006/relationships" xmlns:p="http://schemas.openxmlformats.org/presentationml/2006/main">
   <p:cSld>
     <p:spTree>
